--- a/네트워크.pptx
+++ b/네트워크.pptx
@@ -6,6 +6,7 @@
   </p:sldMasterIdLst>
   <p:sldIdLst>
     <p:sldId id="256" r:id="rId2"/>
+    <p:sldId id="257" r:id="rId3"/>
   </p:sldIdLst>
   <p:sldSz cx="12192000" cy="6858000"/>
   <p:notesSz cx="6858000" cy="9144000"/>
@@ -104,6 +105,11 @@
       </a:defRPr>
     </a:lvl9pPr>
   </p:defaultTextStyle>
+  <p:extLst>
+    <p:ext uri="{EFAFB233-063F-42B5-8137-9DF3F51BA10A}">
+      <p15:sldGuideLst xmlns:p15="http://schemas.microsoft.com/office/powerpoint/2012/main"/>
+    </p:ext>
+  </p:extLst>
 </p:presentation>
 </file>
 
@@ -3390,6 +3396,66 @@
 </p:sld>
 </file>
 
+<file path=ppt/slides/slide2.xml><?xml version="1.0" encoding="utf-8"?>
+<p:sld xmlns:a="http://schemas.openxmlformats.org/drawingml/2006/main" xmlns:r="http://schemas.openxmlformats.org/officeDocument/2006/relationships" xmlns:p="http://schemas.openxmlformats.org/presentationml/2006/main">
+  <p:cSld>
+    <p:spTree>
+      <p:nvGrpSpPr>
+        <p:cNvPr id="1" name=""/>
+        <p:cNvGrpSpPr/>
+        <p:nvPr/>
+      </p:nvGrpSpPr>
+      <p:grpSpPr>
+        <a:xfrm>
+          <a:off x="0" y="0"/>
+          <a:ext cx="0" cy="0"/>
+          <a:chOff x="0" y="0"/>
+          <a:chExt cx="0" cy="0"/>
+        </a:xfrm>
+      </p:grpSpPr>
+      <p:pic>
+        <p:nvPicPr>
+          <p:cNvPr id="5" name="그림 4">
+            <a:extLst>
+              <a:ext uri="{FF2B5EF4-FFF2-40B4-BE49-F238E27FC236}">
+                <a16:creationId xmlns:a16="http://schemas.microsoft.com/office/drawing/2014/main" id="{2A69B935-73FE-DDE8-60C0-C914F53BB5AD}"/>
+              </a:ext>
+            </a:extLst>
+          </p:cNvPr>
+          <p:cNvPicPr>
+            <a:picLocks noChangeAspect="1"/>
+          </p:cNvPicPr>
+          <p:nvPr/>
+        </p:nvPicPr>
+        <p:blipFill>
+          <a:blip r:embed="rId2"/>
+          <a:stretch>
+            <a:fillRect/>
+          </a:stretch>
+        </p:blipFill>
+        <p:spPr>
+          <a:xfrm>
+            <a:off x="0" y="0"/>
+            <a:ext cx="12192000" cy="6858000"/>
+          </a:xfrm>
+          <a:prstGeom prst="rect">
+            <a:avLst/>
+          </a:prstGeom>
+        </p:spPr>
+      </p:pic>
+    </p:spTree>
+    <p:extLst>
+      <p:ext uri="{BB962C8B-B14F-4D97-AF65-F5344CB8AC3E}">
+        <p14:creationId xmlns:p14="http://schemas.microsoft.com/office/powerpoint/2010/main" val="3267296336"/>
+      </p:ext>
+    </p:extLst>
+  </p:cSld>
+  <p:clrMapOvr>
+    <a:masterClrMapping/>
+  </p:clrMapOvr>
+</p:sld>
+</file>
+
 <file path=ppt/theme/theme1.xml><?xml version="1.0" encoding="utf-8"?>
 <a:theme xmlns:a="http://schemas.openxmlformats.org/drawingml/2006/main" name="Office 테마">
   <a:themeElements>

--- a/네트워크.pptx
+++ b/네트워크.pptx
@@ -6,6 +6,7 @@
   </p:sldMasterIdLst>
   <p:sldIdLst>
     <p:sldId id="256" r:id="rId2"/>
+    <p:sldId id="257" r:id="rId3"/>
   </p:sldIdLst>
   <p:sldSz cx="12192000" cy="6858000"/>
   <p:notesSz cx="6858000" cy="9144000"/>
@@ -104,6 +105,11 @@
       </a:defRPr>
     </a:lvl9pPr>
   </p:defaultTextStyle>
+  <p:extLst>
+    <p:ext uri="{EFAFB233-063F-42B5-8137-9DF3F51BA10A}">
+      <p15:sldGuideLst xmlns:p15="http://schemas.microsoft.com/office/powerpoint/2012/main"/>
+    </p:ext>
+  </p:extLst>
 </p:presentation>
 </file>
 
@@ -3390,6 +3396,66 @@
 </p:sld>
 </file>
 
+<file path=ppt/slides/slide2.xml><?xml version="1.0" encoding="utf-8"?>
+<p:sld xmlns:a="http://schemas.openxmlformats.org/drawingml/2006/main" xmlns:r="http://schemas.openxmlformats.org/officeDocument/2006/relationships" xmlns:p="http://schemas.openxmlformats.org/presentationml/2006/main">
+  <p:cSld>
+    <p:spTree>
+      <p:nvGrpSpPr>
+        <p:cNvPr id="1" name=""/>
+        <p:cNvGrpSpPr/>
+        <p:nvPr/>
+      </p:nvGrpSpPr>
+      <p:grpSpPr>
+        <a:xfrm>
+          <a:off x="0" y="0"/>
+          <a:ext cx="0" cy="0"/>
+          <a:chOff x="0" y="0"/>
+          <a:chExt cx="0" cy="0"/>
+        </a:xfrm>
+      </p:grpSpPr>
+      <p:pic>
+        <p:nvPicPr>
+          <p:cNvPr id="5" name="그림 4">
+            <a:extLst>
+              <a:ext uri="{FF2B5EF4-FFF2-40B4-BE49-F238E27FC236}">
+                <a16:creationId xmlns:a16="http://schemas.microsoft.com/office/drawing/2014/main" id="{A6F43AA1-CABE-00F2-0968-6CCBFEA9C03D}"/>
+              </a:ext>
+            </a:extLst>
+          </p:cNvPr>
+          <p:cNvPicPr>
+            <a:picLocks noChangeAspect="1"/>
+          </p:cNvPicPr>
+          <p:nvPr/>
+        </p:nvPicPr>
+        <p:blipFill>
+          <a:blip r:embed="rId2"/>
+          <a:stretch>
+            <a:fillRect/>
+          </a:stretch>
+        </p:blipFill>
+        <p:spPr>
+          <a:xfrm>
+            <a:off x="0" y="0"/>
+            <a:ext cx="12192000" cy="6858000"/>
+          </a:xfrm>
+          <a:prstGeom prst="rect">
+            <a:avLst/>
+          </a:prstGeom>
+        </p:spPr>
+      </p:pic>
+    </p:spTree>
+    <p:extLst>
+      <p:ext uri="{BB962C8B-B14F-4D97-AF65-F5344CB8AC3E}">
+        <p14:creationId xmlns:p14="http://schemas.microsoft.com/office/powerpoint/2010/main" val="175940527"/>
+      </p:ext>
+    </p:extLst>
+  </p:cSld>
+  <p:clrMapOvr>
+    <a:masterClrMapping/>
+  </p:clrMapOvr>
+</p:sld>
+</file>
+
 <file path=ppt/theme/theme1.xml><?xml version="1.0" encoding="utf-8"?>
 <a:theme xmlns:a="http://schemas.openxmlformats.org/drawingml/2006/main" name="Office 테마">
   <a:themeElements>

--- a/네트워크.pptx
+++ b/네트워크.pptx
@@ -3413,40 +3413,38 @@
           <a:chExt cx="0" cy="0"/>
         </a:xfrm>
       </p:grpSpPr>
-      <p:pic>
-        <p:nvPicPr>
-          <p:cNvPr id="5" name="그림 4">
-            <a:extLst>
-              <a:ext uri="{FF2B5EF4-FFF2-40B4-BE49-F238E27FC236}">
-                <a16:creationId xmlns:a16="http://schemas.microsoft.com/office/drawing/2014/main" id="{A6F43AA1-CABE-00F2-0968-6CCBFEA9C03D}"/>
-              </a:ext>
-            </a:extLst>
-          </p:cNvPr>
-          <p:cNvPicPr>
-            <a:picLocks noChangeAspect="1"/>
-          </p:cNvPicPr>
-          <p:nvPr/>
-        </p:nvPicPr>
-        <p:blipFill>
-          <a:blip r:embed="rId2"/>
-          <a:stretch>
-            <a:fillRect/>
-          </a:stretch>
-        </p:blipFill>
-        <p:spPr>
-          <a:xfrm>
-            <a:off x="0" y="0"/>
-            <a:ext cx="12192000" cy="6858000"/>
-          </a:xfrm>
-          <a:prstGeom prst="rect">
-            <a:avLst/>
-          </a:prstGeom>
-        </p:spPr>
-      </p:pic>
+      <p:sp>
+        <p:nvSpPr>
+          <p:cNvPr id="2" name="제목 1">
+            <a:extLst>
+              <a:ext uri="{FF2B5EF4-FFF2-40B4-BE49-F238E27FC236}">
+                <a16:creationId xmlns:a16="http://schemas.microsoft.com/office/drawing/2014/main" id="{0E44EAD2-D19D-7636-2AEC-5DB9E4683E7A}"/>
+              </a:ext>
+            </a:extLst>
+          </p:cNvPr>
+          <p:cNvSpPr>
+            <a:spLocks noGrp="1"/>
+          </p:cNvSpPr>
+          <p:nvPr>
+            <p:ph type="title"/>
+          </p:nvPr>
+        </p:nvSpPr>
+        <p:spPr/>
+        <p:txBody>
+          <a:bodyPr/>
+          <a:lstStyle/>
+          <a:p>
+            <a:r>
+              <a:rPr lang="ko-KR" altLang="en-US" dirty="0"/>
+              <a:t>다시 시작해봅시다</a:t>
+            </a:r>
+          </a:p>
+        </p:txBody>
+      </p:sp>
     </p:spTree>
     <p:extLst>
       <p:ext uri="{BB962C8B-B14F-4D97-AF65-F5344CB8AC3E}">
-        <p14:creationId xmlns:p14="http://schemas.microsoft.com/office/powerpoint/2010/main" val="175940527"/>
+        <p14:creationId xmlns:p14="http://schemas.microsoft.com/office/powerpoint/2010/main" val="820989285"/>
       </p:ext>
     </p:extLst>
   </p:cSld>

--- a/네트워크.pptx
+++ b/네트워크.pptx
@@ -7,6 +7,7 @@
   <p:sldIdLst>
     <p:sldId id="256" r:id="rId2"/>
     <p:sldId id="257" r:id="rId3"/>
+    <p:sldId id="258" r:id="rId4"/>
   </p:sldIdLst>
   <p:sldSz cx="12192000" cy="6858000"/>
   <p:notesSz cx="6858000" cy="9144000"/>
@@ -3454,6 +3455,66 @@
 </p:sld>
 </file>
 
+<file path=ppt/slides/slide3.xml><?xml version="1.0" encoding="utf-8"?>
+<p:sld xmlns:a="http://schemas.openxmlformats.org/drawingml/2006/main" xmlns:r="http://schemas.openxmlformats.org/officeDocument/2006/relationships" xmlns:p="http://schemas.openxmlformats.org/presentationml/2006/main">
+  <p:cSld>
+    <p:spTree>
+      <p:nvGrpSpPr>
+        <p:cNvPr id="1" name=""/>
+        <p:cNvGrpSpPr/>
+        <p:nvPr/>
+      </p:nvGrpSpPr>
+      <p:grpSpPr>
+        <a:xfrm>
+          <a:off x="0" y="0"/>
+          <a:ext cx="0" cy="0"/>
+          <a:chOff x="0" y="0"/>
+          <a:chExt cx="0" cy="0"/>
+        </a:xfrm>
+      </p:grpSpPr>
+      <p:pic>
+        <p:nvPicPr>
+          <p:cNvPr id="5" name="그림 4">
+            <a:extLst>
+              <a:ext uri="{FF2B5EF4-FFF2-40B4-BE49-F238E27FC236}">
+                <a16:creationId xmlns:a16="http://schemas.microsoft.com/office/drawing/2014/main" id="{508F596D-823F-ECDD-2298-52F3E22CE345}"/>
+              </a:ext>
+            </a:extLst>
+          </p:cNvPr>
+          <p:cNvPicPr>
+            <a:picLocks noChangeAspect="1"/>
+          </p:cNvPicPr>
+          <p:nvPr/>
+        </p:nvPicPr>
+        <p:blipFill>
+          <a:blip r:embed="rId2"/>
+          <a:stretch>
+            <a:fillRect/>
+          </a:stretch>
+        </p:blipFill>
+        <p:spPr>
+          <a:xfrm>
+            <a:off x="0" y="0"/>
+            <a:ext cx="12192000" cy="6858000"/>
+          </a:xfrm>
+          <a:prstGeom prst="rect">
+            <a:avLst/>
+          </a:prstGeom>
+        </p:spPr>
+      </p:pic>
+    </p:spTree>
+    <p:extLst>
+      <p:ext uri="{BB962C8B-B14F-4D97-AF65-F5344CB8AC3E}">
+        <p14:creationId xmlns:p14="http://schemas.microsoft.com/office/powerpoint/2010/main" val="3438381600"/>
+      </p:ext>
+    </p:extLst>
+  </p:cSld>
+  <p:clrMapOvr>
+    <a:masterClrMapping/>
+  </p:clrMapOvr>
+</p:sld>
+</file>
+
 <file path=ppt/theme/theme1.xml><?xml version="1.0" encoding="utf-8"?>
 <a:theme xmlns:a="http://schemas.openxmlformats.org/drawingml/2006/main" name="Office 테마">
   <a:themeElements>

--- a/네트워크.pptx
+++ b/네트워크.pptx
@@ -3477,7 +3477,7 @@
           <p:cNvPr id="5" name="그림 4">
             <a:extLst>
               <a:ext uri="{FF2B5EF4-FFF2-40B4-BE49-F238E27FC236}">
-                <a16:creationId xmlns:a16="http://schemas.microsoft.com/office/drawing/2014/main" id="{508F596D-823F-ECDD-2298-52F3E22CE345}"/>
+                <a16:creationId xmlns:a16="http://schemas.microsoft.com/office/drawing/2014/main" id="{89B04C97-C7E9-D71D-4EBD-D0985B77DDB8}"/>
               </a:ext>
             </a:extLst>
           </p:cNvPr>
@@ -3505,7 +3505,7 @@
     </p:spTree>
     <p:extLst>
       <p:ext uri="{BB962C8B-B14F-4D97-AF65-F5344CB8AC3E}">
-        <p14:creationId xmlns:p14="http://schemas.microsoft.com/office/powerpoint/2010/main" val="3438381600"/>
+        <p14:creationId xmlns:p14="http://schemas.microsoft.com/office/powerpoint/2010/main" val="383261340"/>
       </p:ext>
     </p:extLst>
   </p:cSld>

--- a/네트워크.pptx
+++ b/네트워크.pptx
@@ -3472,40 +3472,39 @@
           <a:chExt cx="0" cy="0"/>
         </a:xfrm>
       </p:grpSpPr>
-      <p:pic>
-        <p:nvPicPr>
-          <p:cNvPr id="5" name="그림 4">
-            <a:extLst>
-              <a:ext uri="{FF2B5EF4-FFF2-40B4-BE49-F238E27FC236}">
-                <a16:creationId xmlns:a16="http://schemas.microsoft.com/office/drawing/2014/main" id="{89B04C97-C7E9-D71D-4EBD-D0985B77DDB8}"/>
-              </a:ext>
-            </a:extLst>
-          </p:cNvPr>
-          <p:cNvPicPr>
-            <a:picLocks noChangeAspect="1"/>
-          </p:cNvPicPr>
-          <p:nvPr/>
-        </p:nvPicPr>
-        <p:blipFill>
-          <a:blip r:embed="rId2"/>
-          <a:stretch>
-            <a:fillRect/>
-          </a:stretch>
-        </p:blipFill>
-        <p:spPr>
-          <a:xfrm>
-            <a:off x="0" y="0"/>
-            <a:ext cx="12192000" cy="6858000"/>
-          </a:xfrm>
-          <a:prstGeom prst="rect">
-            <a:avLst/>
-          </a:prstGeom>
-        </p:spPr>
-      </p:pic>
+      <p:sp>
+        <p:nvSpPr>
+          <p:cNvPr id="2" name="제목 1">
+            <a:extLst>
+              <a:ext uri="{FF2B5EF4-FFF2-40B4-BE49-F238E27FC236}">
+                <a16:creationId xmlns:a16="http://schemas.microsoft.com/office/drawing/2014/main" id="{BEFD6137-5B49-1F2D-D3DC-B76C8402ED85}"/>
+              </a:ext>
+            </a:extLst>
+          </p:cNvPr>
+          <p:cNvSpPr>
+            <a:spLocks noGrp="1"/>
+          </p:cNvSpPr>
+          <p:nvPr>
+            <p:ph type="title"/>
+          </p:nvPr>
+        </p:nvSpPr>
+        <p:spPr/>
+        <p:txBody>
+          <a:bodyPr/>
+          <a:lstStyle/>
+          <a:p>
+            <a:r>
+              <a:rPr lang="ko-KR" altLang="en-US" dirty="0" err="1"/>
+              <a:t>다시시작</a:t>
+            </a:r>
+            <a:endParaRPr lang="ko-KR" altLang="en-US" dirty="0"/>
+          </a:p>
+        </p:txBody>
+      </p:sp>
     </p:spTree>
     <p:extLst>
       <p:ext uri="{BB962C8B-B14F-4D97-AF65-F5344CB8AC3E}">
-        <p14:creationId xmlns:p14="http://schemas.microsoft.com/office/powerpoint/2010/main" val="383261340"/>
+        <p14:creationId xmlns:p14="http://schemas.microsoft.com/office/powerpoint/2010/main" val="3275055123"/>
       </p:ext>
     </p:extLst>
   </p:cSld>
